--- a/MONITORAMENTO/Documentação/PPTs/Cold Stock Apresentação - Sprint 1.pptx
+++ b/MONITORAMENTO/Documentação/PPTs/Cold Stock Apresentação - Sprint 1.pptx
@@ -264,7 +264,7 @@
           <a:p>
             <a:fld id="{47278C1A-96D6-4232-9F36-8FBD0594C554}" type="datetimeFigureOut">
               <a:rPr lang="pt-BR" smtClean="0"/>
-              <a:t>14/09/2020</a:t>
+              <a:t>12/12/2020</a:t>
             </a:fld>
             <a:endParaRPr lang="pt-BR"/>
           </a:p>
@@ -306,7 +306,7 @@
           <a:p>
             <a:fld id="{26DF22C3-F9EA-40C4-AB4C-A1C88679FAB8}" type="slidenum">
               <a:rPr lang="pt-BR" smtClean="0"/>
-              <a:t>‹nº›</a:t>
+              <a:t>‹#›</a:t>
             </a:fld>
             <a:endParaRPr lang="pt-BR"/>
           </a:p>
@@ -432,7 +432,7 @@
           <a:p>
             <a:fld id="{47278C1A-96D6-4232-9F36-8FBD0594C554}" type="datetimeFigureOut">
               <a:rPr lang="pt-BR" smtClean="0"/>
-              <a:t>14/09/2020</a:t>
+              <a:t>12/12/2020</a:t>
             </a:fld>
             <a:endParaRPr lang="pt-BR"/>
           </a:p>
@@ -474,7 +474,7 @@
           <a:p>
             <a:fld id="{26DF22C3-F9EA-40C4-AB4C-A1C88679FAB8}" type="slidenum">
               <a:rPr lang="pt-BR" smtClean="0"/>
-              <a:t>‹nº›</a:t>
+              <a:t>‹#›</a:t>
             </a:fld>
             <a:endParaRPr lang="pt-BR"/>
           </a:p>
@@ -610,7 +610,7 @@
           <a:p>
             <a:fld id="{47278C1A-96D6-4232-9F36-8FBD0594C554}" type="datetimeFigureOut">
               <a:rPr lang="pt-BR" smtClean="0"/>
-              <a:t>14/09/2020</a:t>
+              <a:t>12/12/2020</a:t>
             </a:fld>
             <a:endParaRPr lang="pt-BR"/>
           </a:p>
@@ -652,7 +652,7 @@
           <a:p>
             <a:fld id="{26DF22C3-F9EA-40C4-AB4C-A1C88679FAB8}" type="slidenum">
               <a:rPr lang="pt-BR" smtClean="0"/>
-              <a:t>‹nº›</a:t>
+              <a:t>‹#›</a:t>
             </a:fld>
             <a:endParaRPr lang="pt-BR"/>
           </a:p>
@@ -778,7 +778,7 @@
           <a:p>
             <a:fld id="{47278C1A-96D6-4232-9F36-8FBD0594C554}" type="datetimeFigureOut">
               <a:rPr lang="pt-BR" smtClean="0"/>
-              <a:t>14/09/2020</a:t>
+              <a:t>12/12/2020</a:t>
             </a:fld>
             <a:endParaRPr lang="pt-BR"/>
           </a:p>
@@ -820,7 +820,7 @@
           <a:p>
             <a:fld id="{26DF22C3-F9EA-40C4-AB4C-A1C88679FAB8}" type="slidenum">
               <a:rPr lang="pt-BR" smtClean="0"/>
-              <a:t>‹nº›</a:t>
+              <a:t>‹#›</a:t>
             </a:fld>
             <a:endParaRPr lang="pt-BR"/>
           </a:p>
@@ -1023,7 +1023,7 @@
           <a:p>
             <a:fld id="{47278C1A-96D6-4232-9F36-8FBD0594C554}" type="datetimeFigureOut">
               <a:rPr lang="pt-BR" smtClean="0"/>
-              <a:t>14/09/2020</a:t>
+              <a:t>12/12/2020</a:t>
             </a:fld>
             <a:endParaRPr lang="pt-BR"/>
           </a:p>
@@ -1065,7 +1065,7 @@
           <a:p>
             <a:fld id="{26DF22C3-F9EA-40C4-AB4C-A1C88679FAB8}" type="slidenum">
               <a:rPr lang="pt-BR" smtClean="0"/>
-              <a:t>‹nº›</a:t>
+              <a:t>‹#›</a:t>
             </a:fld>
             <a:endParaRPr lang="pt-BR"/>
           </a:p>
@@ -1252,7 +1252,7 @@
           <a:p>
             <a:fld id="{47278C1A-96D6-4232-9F36-8FBD0594C554}" type="datetimeFigureOut">
               <a:rPr lang="pt-BR" smtClean="0"/>
-              <a:t>14/09/2020</a:t>
+              <a:t>12/12/2020</a:t>
             </a:fld>
             <a:endParaRPr lang="pt-BR"/>
           </a:p>
@@ -1294,7 +1294,7 @@
           <a:p>
             <a:fld id="{26DF22C3-F9EA-40C4-AB4C-A1C88679FAB8}" type="slidenum">
               <a:rPr lang="pt-BR" smtClean="0"/>
-              <a:t>‹nº›</a:t>
+              <a:t>‹#›</a:t>
             </a:fld>
             <a:endParaRPr lang="pt-BR"/>
           </a:p>
@@ -1616,7 +1616,7 @@
           <a:p>
             <a:fld id="{47278C1A-96D6-4232-9F36-8FBD0594C554}" type="datetimeFigureOut">
               <a:rPr lang="pt-BR" smtClean="0"/>
-              <a:t>14/09/2020</a:t>
+              <a:t>12/12/2020</a:t>
             </a:fld>
             <a:endParaRPr lang="pt-BR"/>
           </a:p>
@@ -1658,7 +1658,7 @@
           <a:p>
             <a:fld id="{26DF22C3-F9EA-40C4-AB4C-A1C88679FAB8}" type="slidenum">
               <a:rPr lang="pt-BR" smtClean="0"/>
-              <a:t>‹nº›</a:t>
+              <a:t>‹#›</a:t>
             </a:fld>
             <a:endParaRPr lang="pt-BR"/>
           </a:p>
@@ -1733,7 +1733,7 @@
           <a:p>
             <a:fld id="{47278C1A-96D6-4232-9F36-8FBD0594C554}" type="datetimeFigureOut">
               <a:rPr lang="pt-BR" smtClean="0"/>
-              <a:t>14/09/2020</a:t>
+              <a:t>12/12/2020</a:t>
             </a:fld>
             <a:endParaRPr lang="pt-BR"/>
           </a:p>
@@ -1775,7 +1775,7 @@
           <a:p>
             <a:fld id="{26DF22C3-F9EA-40C4-AB4C-A1C88679FAB8}" type="slidenum">
               <a:rPr lang="pt-BR" smtClean="0"/>
-              <a:t>‹nº›</a:t>
+              <a:t>‹#›</a:t>
             </a:fld>
             <a:endParaRPr lang="pt-BR"/>
           </a:p>
@@ -1828,7 +1828,7 @@
           <a:p>
             <a:fld id="{47278C1A-96D6-4232-9F36-8FBD0594C554}" type="datetimeFigureOut">
               <a:rPr lang="pt-BR" smtClean="0"/>
-              <a:t>14/09/2020</a:t>
+              <a:t>12/12/2020</a:t>
             </a:fld>
             <a:endParaRPr lang="pt-BR"/>
           </a:p>
@@ -1870,7 +1870,7 @@
           <a:p>
             <a:fld id="{26DF22C3-F9EA-40C4-AB4C-A1C88679FAB8}" type="slidenum">
               <a:rPr lang="pt-BR" smtClean="0"/>
-              <a:t>‹nº›</a:t>
+              <a:t>‹#›</a:t>
             </a:fld>
             <a:endParaRPr lang="pt-BR"/>
           </a:p>
@@ -2103,7 +2103,7 @@
           <a:p>
             <a:fld id="{47278C1A-96D6-4232-9F36-8FBD0594C554}" type="datetimeFigureOut">
               <a:rPr lang="pt-BR" smtClean="0"/>
-              <a:t>14/09/2020</a:t>
+              <a:t>12/12/2020</a:t>
             </a:fld>
             <a:endParaRPr lang="pt-BR"/>
           </a:p>
@@ -2145,7 +2145,7 @@
           <a:p>
             <a:fld id="{26DF22C3-F9EA-40C4-AB4C-A1C88679FAB8}" type="slidenum">
               <a:rPr lang="pt-BR" smtClean="0"/>
-              <a:t>‹nº›</a:t>
+              <a:t>‹#›</a:t>
             </a:fld>
             <a:endParaRPr lang="pt-BR"/>
           </a:p>
@@ -2355,7 +2355,7 @@
           <a:p>
             <a:fld id="{47278C1A-96D6-4232-9F36-8FBD0594C554}" type="datetimeFigureOut">
               <a:rPr lang="pt-BR" smtClean="0"/>
-              <a:t>14/09/2020</a:t>
+              <a:t>12/12/2020</a:t>
             </a:fld>
             <a:endParaRPr lang="pt-BR"/>
           </a:p>
@@ -2397,7 +2397,7 @@
           <a:p>
             <a:fld id="{26DF22C3-F9EA-40C4-AB4C-A1C88679FAB8}" type="slidenum">
               <a:rPr lang="pt-BR" smtClean="0"/>
-              <a:t>‹nº›</a:t>
+              <a:t>‹#›</a:t>
             </a:fld>
             <a:endParaRPr lang="pt-BR"/>
           </a:p>
@@ -2566,7 +2566,7 @@
           <a:p>
             <a:fld id="{47278C1A-96D6-4232-9F36-8FBD0594C554}" type="datetimeFigureOut">
               <a:rPr lang="pt-BR" smtClean="0"/>
-              <a:t>14/09/2020</a:t>
+              <a:t>12/12/2020</a:t>
             </a:fld>
             <a:endParaRPr lang="pt-BR"/>
           </a:p>
@@ -2644,7 +2644,7 @@
           <a:p>
             <a:fld id="{26DF22C3-F9EA-40C4-AB4C-A1C88679FAB8}" type="slidenum">
               <a:rPr lang="pt-BR" smtClean="0"/>
-              <a:t>‹nº›</a:t>
+              <a:t>‹#›</a:t>
             </a:fld>
             <a:endParaRPr lang="pt-BR"/>
           </a:p>
@@ -3054,16 +3054,7 @@
                 </a:solidFill>
                 <a:latin typeface="Montserrat" panose="00000500000000000000" pitchFamily="2" charset="0"/>
               </a:rPr>
-              <a:t>Giovanna de </a:t>
-            </a:r>
-            <a:r>
-              <a:rPr lang="pt-BR" sz="1600" dirty="0" smtClean="0">
-                <a:solidFill>
-                  <a:srgbClr val="3AAFA9"/>
-                </a:solidFill>
-                <a:latin typeface="Montserrat" panose="00000500000000000000" pitchFamily="2" charset="0"/>
-              </a:rPr>
-              <a:t>Jesus</a:t>
+              <a:t>Giovanna de Jesus</a:t>
             </a:r>
           </a:p>
           <a:p>
@@ -3094,7 +3085,7 @@
           </a:p>
           <a:p>
             <a:r>
-              <a:rPr lang="pt-BR" sz="1600" dirty="0" smtClean="0">
+              <a:rPr lang="pt-BR" sz="1600" dirty="0">
                 <a:solidFill>
                   <a:srgbClr val="3AAFA9"/>
                 </a:solidFill>
@@ -3102,12 +3093,6 @@
               </a:rPr>
               <a:t>Victor Vicente</a:t>
             </a:r>
-            <a:endParaRPr lang="pt-BR" sz="1600" dirty="0">
-              <a:solidFill>
-                <a:srgbClr val="3AAFA9"/>
-              </a:solidFill>
-              <a:latin typeface="Montserrat" panose="00000500000000000000" pitchFamily="2" charset="0"/>
-            </a:endParaRPr>
           </a:p>
         </p:txBody>
       </p:sp>
@@ -3314,7 +3299,7 @@
                     <a14:useLocalDpi xmlns:a14="http://schemas.microsoft.com/office/drawing/2010/main" val="0"/>
                   </a:ext>
                   <a:ext uri="{96DAC541-7B7A-43D3-8B79-37D633B846F1}">
-                    <asvg:svgBlip xmlns="" xmlns:asvg="http://schemas.microsoft.com/office/drawing/2016/SVG/main" r:embed="rId3"/>
+                    <asvg:svgBlip xmlns:asvg="http://schemas.microsoft.com/office/drawing/2016/SVG/main" r:embed="rId3"/>
                   </a:ext>
                 </a:extLst>
               </a:blip>
@@ -4213,7 +4198,7 @@
                     <a14:useLocalDpi xmlns:a14="http://schemas.microsoft.com/office/drawing/2010/main" val="0"/>
                   </a:ext>
                   <a:ext uri="{96DAC541-7B7A-43D3-8B79-37D633B846F1}">
-                    <asvg:svgBlip xmlns="" xmlns:asvg="http://schemas.microsoft.com/office/drawing/2016/SVG/main" r:embed="rId3"/>
+                    <asvg:svgBlip xmlns:asvg="http://schemas.microsoft.com/office/drawing/2016/SVG/main" r:embed="rId3"/>
                   </a:ext>
                 </a:extLst>
               </a:blip>
@@ -6107,7 +6092,7 @@
                     <a14:useLocalDpi xmlns:a14="http://schemas.microsoft.com/office/drawing/2010/main" val="0"/>
                   </a:ext>
                   <a:ext uri="{96DAC541-7B7A-43D3-8B79-37D633B846F1}">
-                    <asvg:svgBlip xmlns="" xmlns:asvg="http://schemas.microsoft.com/office/drawing/2016/SVG/main" r:embed="rId3"/>
+                    <asvg:svgBlip xmlns:asvg="http://schemas.microsoft.com/office/drawing/2016/SVG/main" r:embed="rId3"/>
                   </a:ext>
                 </a:extLst>
               </a:blip>
@@ -7321,7 +7306,7 @@
         <p:spPr>
           <a:xfrm>
             <a:off x="215347" y="2570200"/>
-            <a:ext cx="5749232" cy="1785104"/>
+            <a:ext cx="5749232" cy="1692771"/>
           </a:xfrm>
           <a:prstGeom prst="rect">
             <a:avLst/>
@@ -7336,7 +7321,7 @@
           <a:p>
             <a:pPr algn="ctr"/>
             <a:r>
-              <a:rPr lang="pt-BR" sz="5400" dirty="0">
+              <a:rPr lang="pt-BR" sz="4800" dirty="0">
                 <a:solidFill>
                   <a:srgbClr val="2B7A78"/>
                 </a:solidFill>
@@ -7475,7 +7460,7 @@
                 <a14:useLocalDpi xmlns:a14="http://schemas.microsoft.com/office/drawing/2010/main" val="0"/>
               </a:ext>
               <a:ext uri="{96DAC541-7B7A-43D3-8B79-37D633B846F1}">
-                <asvg:svgBlip xmlns="" xmlns:asvg="http://schemas.microsoft.com/office/drawing/2016/SVG/main" r:embed="rId4"/>
+                <asvg:svgBlip xmlns:asvg="http://schemas.microsoft.com/office/drawing/2016/SVG/main" r:embed="rId4"/>
               </a:ext>
             </a:extLst>
           </a:blip>
@@ -8068,7 +8053,7 @@
                   <a14:useLocalDpi xmlns:a14="http://schemas.microsoft.com/office/drawing/2010/main" val="0"/>
                 </a:ext>
                 <a:ext uri="{96DAC541-7B7A-43D3-8B79-37D633B846F1}">
-                  <asvg:svgBlip xmlns="" xmlns:asvg="http://schemas.microsoft.com/office/drawing/2016/SVG/main" r:embed="rId7"/>
+                  <asvg:svgBlip xmlns:asvg="http://schemas.microsoft.com/office/drawing/2016/SVG/main" r:embed="rId7"/>
                 </a:ext>
               </a:extLst>
             </a:blip>
@@ -9815,7 +9800,7 @@
                     <a14:useLocalDpi xmlns:a14="http://schemas.microsoft.com/office/drawing/2010/main" val="0"/>
                   </a:ext>
                   <a:ext uri="{96DAC541-7B7A-43D3-8B79-37D633B846F1}">
-                    <asvg:svgBlip xmlns="" xmlns:asvg="http://schemas.microsoft.com/office/drawing/2016/SVG/main" r:embed="rId3"/>
+                    <asvg:svgBlip xmlns:asvg="http://schemas.microsoft.com/office/drawing/2016/SVG/main" r:embed="rId3"/>
                   </a:ext>
                 </a:extLst>
               </a:blip>
@@ -11757,7 +11742,7 @@
                     <a14:useLocalDpi xmlns:a14="http://schemas.microsoft.com/office/drawing/2010/main" val="0"/>
                   </a:ext>
                   <a:ext uri="{96DAC541-7B7A-43D3-8B79-37D633B846F1}">
-                    <asvg:svgBlip xmlns="" xmlns:asvg="http://schemas.microsoft.com/office/drawing/2016/SVG/main" r:embed="rId3"/>
+                    <asvg:svgBlip xmlns:asvg="http://schemas.microsoft.com/office/drawing/2016/SVG/main" r:embed="rId3"/>
                   </a:ext>
                 </a:extLst>
               </a:blip>
@@ -13122,7 +13107,7 @@
                   <a14:useLocalDpi xmlns:a14="http://schemas.microsoft.com/office/drawing/2010/main" val="0"/>
                 </a:ext>
                 <a:ext uri="{96DAC541-7B7A-43D3-8B79-37D633B846F1}">
-                  <asvg:svgBlip xmlns="" xmlns:asvg="http://schemas.microsoft.com/office/drawing/2016/SVG/main" r:embed="rId4"/>
+                  <asvg:svgBlip xmlns:asvg="http://schemas.microsoft.com/office/drawing/2016/SVG/main" r:embed="rId4"/>
                 </a:ext>
               </a:extLst>
             </a:blip>
@@ -13522,7 +13507,7 @@
                 <a14:useLocalDpi xmlns:a14="http://schemas.microsoft.com/office/drawing/2010/main" val="0"/>
               </a:ext>
               <a:ext uri="{96DAC541-7B7A-43D3-8B79-37D633B846F1}">
-                <asvg:svgBlip xmlns="" xmlns:asvg="http://schemas.microsoft.com/office/drawing/2016/SVG/main" r:embed="rId7"/>
+                <asvg:svgBlip xmlns:asvg="http://schemas.microsoft.com/office/drawing/2016/SVG/main" r:embed="rId7"/>
               </a:ext>
             </a:extLst>
           </a:blip>
@@ -14749,7 +14734,7 @@
                     <a14:useLocalDpi xmlns:a14="http://schemas.microsoft.com/office/drawing/2010/main" val="0"/>
                   </a:ext>
                   <a:ext uri="{96DAC541-7B7A-43D3-8B79-37D633B846F1}">
-                    <asvg:svgBlip xmlns="" xmlns:asvg="http://schemas.microsoft.com/office/drawing/2016/SVG/main" r:embed="rId4"/>
+                    <asvg:svgBlip xmlns:asvg="http://schemas.microsoft.com/office/drawing/2016/SVG/main" r:embed="rId4"/>
                   </a:ext>
                 </a:extLst>
               </a:blip>
@@ -16922,7 +16907,7 @@
                     <a14:useLocalDpi xmlns:a14="http://schemas.microsoft.com/office/drawing/2010/main" val="0"/>
                   </a:ext>
                   <a:ext uri="{96DAC541-7B7A-43D3-8B79-37D633B846F1}">
-                    <asvg:svgBlip xmlns="" xmlns:asvg="http://schemas.microsoft.com/office/drawing/2016/SVG/main" r:embed="rId3"/>
+                    <asvg:svgBlip xmlns:asvg="http://schemas.microsoft.com/office/drawing/2016/SVG/main" r:embed="rId3"/>
                   </a:ext>
                 </a:extLst>
               </a:blip>
@@ -17411,21 +17396,10 @@
                 <a:ea typeface="+mn-lt"/>
                 <a:cs typeface="+mn-lt"/>
               </a:rPr>
-              <a:t>Uma interface para visualizar </a:t>
+              <a:t>Uma interface para visualizar dados com um mínimo </a:t>
             </a:r>
             <a:r>
-              <a:rPr lang="pt-BR" sz="2000" b="1" dirty="0" smtClean="0">
-                <a:solidFill>
-                  <a:schemeClr val="bg1"/>
-                </a:solidFill>
-                <a:latin typeface="Montserrat"/>
-                <a:ea typeface="+mn-lt"/>
-                <a:cs typeface="+mn-lt"/>
-              </a:rPr>
-              <a:t>dados com um mínimo </a:t>
-            </a:r>
-            <a:r>
-              <a:rPr lang="pt-BR" sz="2000" b="1" smtClean="0">
+              <a:rPr lang="pt-BR" sz="2000" b="1">
                 <a:solidFill>
                   <a:schemeClr val="bg1"/>
                 </a:solidFill>
@@ -18255,7 +18229,7 @@
                     <a14:useLocalDpi xmlns:a14="http://schemas.microsoft.com/office/drawing/2010/main" val="0"/>
                   </a:ext>
                   <a:ext uri="{96DAC541-7B7A-43D3-8B79-37D633B846F1}">
-                    <asvg:svgBlip xmlns="" xmlns:asvg="http://schemas.microsoft.com/office/drawing/2016/SVG/main" r:embed="rId3"/>
+                    <asvg:svgBlip xmlns:asvg="http://schemas.microsoft.com/office/drawing/2016/SVG/main" r:embed="rId3"/>
                   </a:ext>
                 </a:extLst>
               </a:blip>
@@ -21452,7 +21426,7 @@
                     <a14:useLocalDpi xmlns:a14="http://schemas.microsoft.com/office/drawing/2010/main" val="0"/>
                   </a:ext>
                   <a:ext uri="{96DAC541-7B7A-43D3-8B79-37D633B846F1}">
-                    <asvg:svgBlip xmlns="" xmlns:asvg="http://schemas.microsoft.com/office/drawing/2016/SVG/main" r:embed="rId3"/>
+                    <asvg:svgBlip xmlns:asvg="http://schemas.microsoft.com/office/drawing/2016/SVG/main" r:embed="rId3"/>
                   </a:ext>
                 </a:extLst>
               </a:blip>
@@ -22068,6 +22042,21 @@
 </file>
 
 <file path=customXml/item1.xml><?xml version="1.0" encoding="utf-8"?>
+<?mso-contentType ?>
+<FormTemplates xmlns="http://schemas.microsoft.com/sharepoint/v3/contenttype/forms">
+  <Display>DocumentLibraryForm</Display>
+  <Edit>DocumentLibraryForm</Edit>
+  <New>DocumentLibraryForm</New>
+</FormTemplates>
+</file>
+
+<file path=customXml/item2.xml><?xml version="1.0" encoding="utf-8"?>
+<p:properties xmlns:p="http://schemas.microsoft.com/office/2006/metadata/properties" xmlns:xsi="http://www.w3.org/2001/XMLSchema-instance" xmlns:pc="http://schemas.microsoft.com/office/infopath/2007/PartnerControls">
+  <documentManagement/>
+</p:properties>
+</file>
+
+<file path=customXml/item3.xml><?xml version="1.0" encoding="utf-8"?>
 <ct:contentTypeSchema xmlns:ct="http://schemas.microsoft.com/office/2006/metadata/contentType" xmlns:ma="http://schemas.microsoft.com/office/2006/metadata/properties/metaAttributes" ct:_="" ma:_="" ma:contentTypeName="Document" ma:contentTypeID="0x010100A663B016B9E10D44AF2D6A2076639652" ma:contentTypeVersion="9" ma:contentTypeDescription="Create a new document." ma:contentTypeScope="" ma:versionID="487f2b4f5bb26e664e658aeeb82afc06">
   <xsd:schema xmlns:xsd="http://www.w3.org/2001/XMLSchema" xmlns:xs="http://www.w3.org/2001/XMLSchema" xmlns:p="http://schemas.microsoft.com/office/2006/metadata/properties" xmlns:ns3="1f168f81-3f83-4b33-9f0c-ec152bce3f98" xmlns:ns4="86822d51-02f5-488a-80f3-0b621e7c317a" targetNamespace="http://schemas.microsoft.com/office/2006/metadata/properties" ma:root="true" ma:fieldsID="edc5afedb1afb76831d7c08402d80832" ns3:_="" ns4:_="">
     <xsd:import namespace="1f168f81-3f83-4b33-9f0c-ec152bce3f98"/>
@@ -22264,36 +22253,10 @@
 </ct:contentTypeSchema>
 </file>
 
-<file path=customXml/item2.xml><?xml version="1.0" encoding="utf-8"?>
-<p:properties xmlns:p="http://schemas.microsoft.com/office/2006/metadata/properties" xmlns:xsi="http://www.w3.org/2001/XMLSchema-instance" xmlns:pc="http://schemas.microsoft.com/office/infopath/2007/PartnerControls">
-  <documentManagement/>
-</p:properties>
-</file>
-
-<file path=customXml/item3.xml><?xml version="1.0" encoding="utf-8"?>
-<?mso-contentType ?>
-<FormTemplates xmlns="http://schemas.microsoft.com/sharepoint/v3/contenttype/forms">
-  <Display>DocumentLibraryForm</Display>
-  <Edit>DocumentLibraryForm</Edit>
-  <New>DocumentLibraryForm</New>
-</FormTemplates>
-</file>
-
 <file path=customXml/itemProps1.xml><?xml version="1.0" encoding="utf-8"?>
-<ds:datastoreItem xmlns:ds="http://schemas.openxmlformats.org/officeDocument/2006/customXml" ds:itemID="{ED87D459-01C6-46F3-85EB-8A8AB455C67D}">
+<ds:datastoreItem xmlns:ds="http://schemas.openxmlformats.org/officeDocument/2006/customXml" ds:itemID="{E12B114C-EB44-46E6-930B-B69E30F6F9AE}">
   <ds:schemaRefs>
-    <ds:schemaRef ds:uri="http://schemas.microsoft.com/office/2006/metadata/contentType"/>
-    <ds:schemaRef ds:uri="http://schemas.microsoft.com/office/2006/metadata/properties/metaAttributes"/>
-    <ds:schemaRef ds:uri="http://www.w3.org/2001/XMLSchema"/>
-    <ds:schemaRef ds:uri="http://schemas.microsoft.com/office/2006/metadata/properties"/>
-    <ds:schemaRef ds:uri="1f168f81-3f83-4b33-9f0c-ec152bce3f98"/>
-    <ds:schemaRef ds:uri="86822d51-02f5-488a-80f3-0b621e7c317a"/>
-    <ds:schemaRef ds:uri="http://schemas.microsoft.com/office/2006/documentManagement/types"/>
-    <ds:schemaRef ds:uri="http://schemas.microsoft.com/office/infopath/2007/PartnerControls"/>
-    <ds:schemaRef ds:uri="http://schemas.openxmlformats.org/package/2006/metadata/core-properties"/>
-    <ds:schemaRef ds:uri="http://purl.org/dc/elements/1.1/"/>
-    <ds:schemaRef ds:uri="http://purl.org/dc/terms/"/>
-    <ds:schemaRef ds:uri="http://schemas.microsoft.com/internal/obd"/>
+    <ds:schemaRef ds:uri="http://schemas.microsoft.com/sharepoint/v3/contenttype/forms"/>
   </ds:schemaRefs>
 </ds:datastoreItem>
 </file>
@@ -22316,9 +22279,20 @@
 </file>
 
 <file path=customXml/itemProps3.xml><?xml version="1.0" encoding="utf-8"?>
-<ds:datastoreItem xmlns:ds="http://schemas.openxmlformats.org/officeDocument/2006/customXml" ds:itemID="{E12B114C-EB44-46E6-930B-B69E30F6F9AE}">
+<ds:datastoreItem xmlns:ds="http://schemas.openxmlformats.org/officeDocument/2006/customXml" ds:itemID="{ED87D459-01C6-46F3-85EB-8A8AB455C67D}">
   <ds:schemaRefs>
-    <ds:schemaRef ds:uri="http://schemas.microsoft.com/sharepoint/v3/contenttype/forms"/>
+    <ds:schemaRef ds:uri="http://schemas.microsoft.com/office/2006/metadata/contentType"/>
+    <ds:schemaRef ds:uri="http://schemas.microsoft.com/office/2006/metadata/properties/metaAttributes"/>
+    <ds:schemaRef ds:uri="http://www.w3.org/2001/XMLSchema"/>
+    <ds:schemaRef ds:uri="http://schemas.microsoft.com/office/2006/metadata/properties"/>
+    <ds:schemaRef ds:uri="1f168f81-3f83-4b33-9f0c-ec152bce3f98"/>
+    <ds:schemaRef ds:uri="86822d51-02f5-488a-80f3-0b621e7c317a"/>
+    <ds:schemaRef ds:uri="http://schemas.microsoft.com/office/2006/documentManagement/types"/>
+    <ds:schemaRef ds:uri="http://schemas.microsoft.com/office/infopath/2007/PartnerControls"/>
+    <ds:schemaRef ds:uri="http://schemas.openxmlformats.org/package/2006/metadata/core-properties"/>
+    <ds:schemaRef ds:uri="http://purl.org/dc/elements/1.1/"/>
+    <ds:schemaRef ds:uri="http://purl.org/dc/terms/"/>
+    <ds:schemaRef ds:uri="http://schemas.microsoft.com/internal/obd"/>
   </ds:schemaRefs>
 </ds:datastoreItem>
 </file>